--- a/Figure2.pptx
+++ b/Figure2.pptx
@@ -197,7 +197,7 @@
           <a:p>
             <a:fld id="{E124202E-EA0B-F845-8D8A-917E2C320490}" type="datetimeFigureOut">
               <a:rPr lang="en-US" smtClean="0"/>
-              <a:t>4/18/23</a:t>
+              <a:t>4/26/23</a:t>
             </a:fld>
             <a:endParaRPr lang="en-US"/>
           </a:p>
@@ -873,7 +873,7 @@
           <a:p>
             <a:fld id="{A347E85E-16B2-7D4F-B055-996D5F280DF9}" type="datetime1">
               <a:rPr lang="en-US" smtClean="0"/>
-              <a:t>4/18/23</a:t>
+              <a:t>4/26/23</a:t>
             </a:fld>
             <a:endParaRPr lang="en-US" dirty="0"/>
           </a:p>
@@ -1134,7 +1134,7 @@
           <a:p>
             <a:fld id="{C1528136-8F1E-8B4C-9500-FCAE614CED34}" type="datetime1">
               <a:rPr lang="en-US" smtClean="0"/>
-              <a:t>4/18/23</a:t>
+              <a:t>4/26/23</a:t>
             </a:fld>
             <a:endParaRPr lang="en-US" dirty="0"/>
           </a:p>
@@ -1221,7 +1221,7 @@
           <a:p>
             <a:fld id="{A95E397C-8781-494B-BBCB-6F8C147E365D}" type="datetime1">
               <a:rPr lang="en-US" smtClean="0"/>
-              <a:t>4/18/23</a:t>
+              <a:t>4/26/23</a:t>
             </a:fld>
             <a:endParaRPr lang="en-US" dirty="0"/>
           </a:p>
@@ -1474,7 +1474,7 @@
           <a:p>
             <a:fld id="{8F1A1C1D-7A24-6C4A-9A72-D802B5CAE039}" type="datetime1">
               <a:rPr lang="en-US" smtClean="0"/>
-              <a:t>4/18/23</a:t>
+              <a:t>4/26/23</a:t>
             </a:fld>
             <a:endParaRPr lang="en-US" dirty="0"/>
           </a:p>
@@ -1592,7 +1592,7 @@
           <a:p>
             <a:fld id="{0F68F3E4-2315-AC4C-ABF4-95DA426C2F52}" type="datetime1">
               <a:rPr lang="en-US" smtClean="0"/>
-              <a:t>4/18/23</a:t>
+              <a:t>4/26/23</a:t>
             </a:fld>
             <a:endParaRPr lang="en-US" dirty="0"/>
           </a:p>
@@ -1988,7 +1988,7 @@
           <a:p>
             <a:fld id="{B85B13E3-B52D-0045-AD7F-8C4D2F63C3D7}" type="datetime1">
               <a:rPr lang="en-US" smtClean="0"/>
-              <a:t>4/18/23</a:t>
+              <a:t>4/26/23</a:t>
             </a:fld>
             <a:endParaRPr lang="en-US" dirty="0"/>
           </a:p>
@@ -2479,7 +2479,7 @@
           <a:p>
             <a:fld id="{545AC853-3288-7742-A395-A525CD58B3D7}" type="datetime1">
               <a:rPr lang="en-US" smtClean="0"/>
-              <a:t>4/18/23</a:t>
+              <a:t>4/26/23</a:t>
             </a:fld>
             <a:endParaRPr lang="en-US" dirty="0"/>
           </a:p>
@@ -2765,7 +2765,7 @@
           <a:p>
             <a:fld id="{FBF22573-B266-7F4F-9E81-59304A2AAA60}" type="datetime1">
               <a:rPr lang="en-US" smtClean="0"/>
-              <a:t>4/18/23</a:t>
+              <a:t>4/26/23</a:t>
             </a:fld>
             <a:endParaRPr lang="en-US" dirty="0"/>
           </a:p>
@@ -3299,7 +3299,7 @@
           <a:p>
             <a:fld id="{65CC06C0-5844-864C-8B51-DA1B5C964932}" type="datetime1">
               <a:rPr lang="en-US" smtClean="0"/>
-              <a:t>4/18/23</a:t>
+              <a:t>4/26/23</a:t>
             </a:fld>
             <a:endParaRPr lang="en-US" dirty="0"/>
           </a:p>
@@ -3895,10 +3895,10 @@
       </p:sp>
       <p:grpSp>
         <p:nvGrpSpPr>
-          <p:cNvPr id="41" name="Group 40">
+          <p:cNvPr id="19" name="Group 18">
             <a:extLst>
               <a:ext uri="{FF2B5EF4-FFF2-40B4-BE49-F238E27FC236}">
-                <a16:creationId xmlns:a16="http://schemas.microsoft.com/office/drawing/2014/main" id="{3289DD99-5CC3-AA5B-AA66-A81F534E8C8E}"/>
+                <a16:creationId xmlns:a16="http://schemas.microsoft.com/office/drawing/2014/main" id="{BA919F6F-58A5-0B1F-8B6F-240B2C59AA23}"/>
               </a:ext>
             </a:extLst>
           </p:cNvPr>
@@ -3907,18 +3907,108 @@
         </p:nvGrpSpPr>
         <p:grpSpPr>
           <a:xfrm>
-            <a:off x="2212911" y="179514"/>
-            <a:ext cx="6697535" cy="6564186"/>
-            <a:chOff x="2212911" y="179514"/>
-            <a:chExt cx="6697535" cy="6564186"/>
+            <a:off x="126123" y="757512"/>
+            <a:ext cx="11960774" cy="5821901"/>
+            <a:chOff x="126123" y="757512"/>
+            <a:chExt cx="11960774" cy="5821901"/>
           </a:xfrm>
         </p:grpSpPr>
+        <p:pic>
+          <p:nvPicPr>
+            <p:cNvPr id="5" name="Picture 4">
+              <a:extLst>
+                <a:ext uri="{FF2B5EF4-FFF2-40B4-BE49-F238E27FC236}">
+                  <a16:creationId xmlns:a16="http://schemas.microsoft.com/office/drawing/2014/main" id="{4439DEC8-4537-B0E8-F91A-5CC13A575287}"/>
+                </a:ext>
+              </a:extLst>
+            </p:cNvPr>
+            <p:cNvPicPr>
+              <a:picLocks noChangeAspect="1"/>
+            </p:cNvPicPr>
+            <p:nvPr/>
+          </p:nvPicPr>
+          <p:blipFill>
+            <a:blip r:embed="rId3"/>
+            <a:stretch>
+              <a:fillRect/>
+            </a:stretch>
+          </p:blipFill>
+          <p:spPr>
+            <a:xfrm>
+              <a:off x="3697235" y="1380855"/>
+              <a:ext cx="5270539" cy="4786850"/>
+            </a:xfrm>
+            <a:prstGeom prst="rect">
+              <a:avLst/>
+            </a:prstGeom>
+          </p:spPr>
+        </p:pic>
+        <p:pic>
+          <p:nvPicPr>
+            <p:cNvPr id="8" name="Picture 7">
+              <a:extLst>
+                <a:ext uri="{FF2B5EF4-FFF2-40B4-BE49-F238E27FC236}">
+                  <a16:creationId xmlns:a16="http://schemas.microsoft.com/office/drawing/2014/main" id="{6BCAD3EA-EECB-F331-2410-A873F7102510}"/>
+                </a:ext>
+              </a:extLst>
+            </p:cNvPr>
+            <p:cNvPicPr>
+              <a:picLocks noChangeAspect="1"/>
+            </p:cNvPicPr>
+            <p:nvPr/>
+          </p:nvPicPr>
+          <p:blipFill>
+            <a:blip r:embed="rId4"/>
+            <a:stretch>
+              <a:fillRect/>
+            </a:stretch>
+          </p:blipFill>
+          <p:spPr>
+            <a:xfrm>
+              <a:off x="209180" y="1059137"/>
+              <a:ext cx="3600431" cy="2558496"/>
+            </a:xfrm>
+            <a:prstGeom prst="rect">
+              <a:avLst/>
+            </a:prstGeom>
+          </p:spPr>
+        </p:pic>
+        <p:pic>
+          <p:nvPicPr>
+            <p:cNvPr id="10" name="Picture 9">
+              <a:extLst>
+                <a:ext uri="{FF2B5EF4-FFF2-40B4-BE49-F238E27FC236}">
+                  <a16:creationId xmlns:a16="http://schemas.microsoft.com/office/drawing/2014/main" id="{C273E37B-5B85-9B93-F414-CC9FBBEB513A}"/>
+                </a:ext>
+              </a:extLst>
+            </p:cNvPr>
+            <p:cNvPicPr>
+              <a:picLocks noChangeAspect="1"/>
+            </p:cNvPicPr>
+            <p:nvPr/>
+          </p:nvPicPr>
+          <p:blipFill>
+            <a:blip r:embed="rId5"/>
+            <a:stretch>
+              <a:fillRect/>
+            </a:stretch>
+          </p:blipFill>
+          <p:spPr>
+            <a:xfrm>
+              <a:off x="8550508" y="3622210"/>
+              <a:ext cx="3419689" cy="2416314"/>
+            </a:xfrm>
+            <a:prstGeom prst="rect">
+              <a:avLst/>
+            </a:prstGeom>
+          </p:spPr>
+        </p:pic>
         <p:sp>
           <p:nvSpPr>
-            <p:cNvPr id="3" name="Right Arrow 2">
+            <p:cNvPr id="11" name="Rectangle 10">
               <a:extLst>
                 <a:ext uri="{FF2B5EF4-FFF2-40B4-BE49-F238E27FC236}">
-                  <a16:creationId xmlns:a16="http://schemas.microsoft.com/office/drawing/2014/main" id="{29EB16F5-12C0-9F8E-F683-50F0108FACE5}"/>
+                  <a16:creationId xmlns:a16="http://schemas.microsoft.com/office/drawing/2014/main" id="{60DD0444-66C7-E842-0E06-22B6F39AE1A6}"/>
                 </a:ext>
               </a:extLst>
             </p:cNvPr>
@@ -3927,15 +4017,288 @@
           </p:nvSpPr>
           <p:spPr>
             <a:xfrm>
-              <a:off x="2970931" y="490781"/>
-              <a:ext cx="5914663" cy="254643"/>
+              <a:off x="5592060" y="1540649"/>
+              <a:ext cx="1053760" cy="369332"/>
+            </a:xfrm>
+            <a:prstGeom prst="rect">
+              <a:avLst/>
+            </a:prstGeom>
+          </p:spPr>
+          <p:txBody>
+            <a:bodyPr wrap="square">
+              <a:spAutoFit/>
+            </a:bodyPr>
+            <a:lstStyle/>
+            <a:p>
+              <a:r>
+                <a:rPr lang="en-US" b="1" dirty="0">
+                  <a:latin typeface="Helvetica" panose="020B0604020202020204" pitchFamily="34" charset="0"/>
+                </a:rPr>
+                <a:t>smooth</a:t>
+              </a:r>
+            </a:p>
+          </p:txBody>
+        </p:sp>
+        <p:sp>
+          <p:nvSpPr>
+            <p:cNvPr id="12" name="Rectangle 11">
+              <a:extLst>
+                <a:ext uri="{FF2B5EF4-FFF2-40B4-BE49-F238E27FC236}">
+                  <a16:creationId xmlns:a16="http://schemas.microsoft.com/office/drawing/2014/main" id="{9D3E83FF-5F63-6254-CDE4-9ADEBC13FED9}"/>
+                </a:ext>
+              </a:extLst>
+            </p:cNvPr>
+            <p:cNvSpPr/>
+            <p:nvPr/>
+          </p:nvSpPr>
+          <p:spPr>
+            <a:xfrm>
+              <a:off x="5838798" y="2338385"/>
+              <a:ext cx="1957060" cy="646331"/>
+            </a:xfrm>
+            <a:prstGeom prst="rect">
+              <a:avLst/>
+            </a:prstGeom>
+          </p:spPr>
+          <p:txBody>
+            <a:bodyPr wrap="square">
+              <a:spAutoFit/>
+            </a:bodyPr>
+            <a:lstStyle/>
+            <a:p>
+              <a:pPr algn="ctr"/>
+              <a:r>
+                <a:rPr lang="en-US" b="1" dirty="0">
+                  <a:solidFill>
+                    <a:srgbClr val="FFA500"/>
+                  </a:solidFill>
+                  <a:latin typeface="Helvetica" panose="020B0604020202020204" pitchFamily="34" charset="0"/>
+                </a:rPr>
+                <a:t>abrupt direction change</a:t>
+              </a:r>
+            </a:p>
+          </p:txBody>
+        </p:sp>
+        <p:sp>
+          <p:nvSpPr>
+            <p:cNvPr id="13" name="Rectangle 12">
+              <a:extLst>
+                <a:ext uri="{FF2B5EF4-FFF2-40B4-BE49-F238E27FC236}">
+                  <a16:creationId xmlns:a16="http://schemas.microsoft.com/office/drawing/2014/main" id="{5DCA7419-007E-646F-E406-1E45FABEB919}"/>
+                </a:ext>
+              </a:extLst>
+            </p:cNvPr>
+            <p:cNvSpPr/>
+            <p:nvPr/>
+          </p:nvSpPr>
+          <p:spPr>
+            <a:xfrm>
+              <a:off x="1482515" y="3746680"/>
+              <a:ext cx="1053760" cy="369332"/>
+            </a:xfrm>
+            <a:prstGeom prst="rect">
+              <a:avLst/>
+            </a:prstGeom>
+          </p:spPr>
+          <p:txBody>
+            <a:bodyPr wrap="square">
+              <a:spAutoFit/>
+            </a:bodyPr>
+            <a:lstStyle/>
+            <a:p>
+              <a:r>
+                <a:rPr lang="en-US" b="1" dirty="0">
+                  <a:latin typeface="Helvetica" panose="020B0604020202020204" pitchFamily="34" charset="0"/>
+                </a:rPr>
+                <a:t>smooth</a:t>
+              </a:r>
+            </a:p>
+          </p:txBody>
+        </p:sp>
+        <p:sp>
+          <p:nvSpPr>
+            <p:cNvPr id="14" name="Rectangle 13">
+              <a:extLst>
+                <a:ext uri="{FF2B5EF4-FFF2-40B4-BE49-F238E27FC236}">
+                  <a16:creationId xmlns:a16="http://schemas.microsoft.com/office/drawing/2014/main" id="{DA5F7D99-F134-D37E-B7F2-A7952E5F65A5}"/>
+                </a:ext>
+              </a:extLst>
+            </p:cNvPr>
+            <p:cNvSpPr/>
+            <p:nvPr/>
+          </p:nvSpPr>
+          <p:spPr>
+            <a:xfrm>
+              <a:off x="8855045" y="6124302"/>
+              <a:ext cx="2810613" cy="369332"/>
+            </a:xfrm>
+            <a:prstGeom prst="rect">
+              <a:avLst/>
+            </a:prstGeom>
+          </p:spPr>
+          <p:txBody>
+            <a:bodyPr wrap="square">
+              <a:spAutoFit/>
+            </a:bodyPr>
+            <a:lstStyle/>
+            <a:p>
+              <a:pPr algn="ctr"/>
+              <a:r>
+                <a:rPr lang="en-US" b="1" dirty="0">
+                  <a:solidFill>
+                    <a:srgbClr val="FFA500"/>
+                  </a:solidFill>
+                  <a:latin typeface="Helvetica" panose="020B0604020202020204" pitchFamily="34" charset="0"/>
+                </a:rPr>
+                <a:t>abrupt direction change</a:t>
+              </a:r>
+            </a:p>
+          </p:txBody>
+        </p:sp>
+        <p:sp>
+          <p:nvSpPr>
+            <p:cNvPr id="15" name="Rectangle 14">
+              <a:extLst>
+                <a:ext uri="{FF2B5EF4-FFF2-40B4-BE49-F238E27FC236}">
+                  <a16:creationId xmlns:a16="http://schemas.microsoft.com/office/drawing/2014/main" id="{233EB51E-3C51-64E8-918F-8C803907A82A}"/>
+                </a:ext>
+              </a:extLst>
+            </p:cNvPr>
+            <p:cNvSpPr/>
+            <p:nvPr/>
+          </p:nvSpPr>
+          <p:spPr>
+            <a:xfrm>
+              <a:off x="126123" y="893378"/>
+              <a:ext cx="3725528" cy="3222633"/>
+            </a:xfrm>
+            <a:prstGeom prst="rect">
+              <a:avLst/>
+            </a:prstGeom>
+            <a:noFill/>
+            <a:ln>
+              <a:solidFill>
+                <a:schemeClr val="tx1"/>
+              </a:solidFill>
+            </a:ln>
+          </p:spPr>
+          <p:style>
+            <a:lnRef idx="2">
+              <a:schemeClr val="accent1">
+                <a:shade val="50000"/>
+              </a:schemeClr>
+            </a:lnRef>
+            <a:fillRef idx="1">
+              <a:schemeClr val="accent1"/>
+            </a:fillRef>
+            <a:effectRef idx="0">
+              <a:schemeClr val="accent1"/>
+            </a:effectRef>
+            <a:fontRef idx="minor">
+              <a:schemeClr val="lt1"/>
+            </a:fontRef>
+          </p:style>
+          <p:txBody>
+            <a:bodyPr rtlCol="0" anchor="ctr"/>
+            <a:lstStyle/>
+            <a:p>
+              <a:pPr algn="ctr"/>
+              <a:endParaRPr lang="en-US"/>
+            </a:p>
+          </p:txBody>
+        </p:sp>
+        <p:sp>
+          <p:nvSpPr>
+            <p:cNvPr id="16" name="Rectangle 15">
+              <a:extLst>
+                <a:ext uri="{FF2B5EF4-FFF2-40B4-BE49-F238E27FC236}">
+                  <a16:creationId xmlns:a16="http://schemas.microsoft.com/office/drawing/2014/main" id="{DF78B4AC-F1C2-7604-4B5E-43A8C6249D56}"/>
+                </a:ext>
+              </a:extLst>
+            </p:cNvPr>
+            <p:cNvSpPr/>
+            <p:nvPr/>
+          </p:nvSpPr>
+          <p:spPr>
+            <a:xfrm>
+              <a:off x="8471338" y="3492341"/>
+              <a:ext cx="3615559" cy="3087072"/>
+            </a:xfrm>
+            <a:prstGeom prst="rect">
+              <a:avLst/>
+            </a:prstGeom>
+            <a:noFill/>
+            <a:ln>
+              <a:solidFill>
+                <a:srgbClr val="FFA500"/>
+              </a:solidFill>
+            </a:ln>
+          </p:spPr>
+          <p:style>
+            <a:lnRef idx="2">
+              <a:schemeClr val="accent1">
+                <a:shade val="50000"/>
+              </a:schemeClr>
+            </a:lnRef>
+            <a:fillRef idx="1">
+              <a:schemeClr val="accent1"/>
+            </a:fillRef>
+            <a:effectRef idx="0">
+              <a:schemeClr val="accent1"/>
+            </a:effectRef>
+            <a:fontRef idx="minor">
+              <a:schemeClr val="lt1"/>
+            </a:fontRef>
+          </p:style>
+          <p:txBody>
+            <a:bodyPr rtlCol="0" anchor="ctr"/>
+            <a:lstStyle/>
+            <a:p>
+              <a:pPr algn="ctr"/>
+              <a:endParaRPr lang="en-US"/>
+            </a:p>
+          </p:txBody>
+        </p:sp>
+        <p:sp>
+          <p:nvSpPr>
+            <p:cNvPr id="17" name="Right Arrow 16">
+              <a:extLst>
+                <a:ext uri="{FF2B5EF4-FFF2-40B4-BE49-F238E27FC236}">
+                  <a16:creationId xmlns:a16="http://schemas.microsoft.com/office/drawing/2014/main" id="{4962410A-F7B6-8F25-E162-EFF059E662CC}"/>
+                </a:ext>
+              </a:extLst>
+            </p:cNvPr>
+            <p:cNvSpPr/>
+            <p:nvPr/>
+          </p:nvSpPr>
+          <p:spPr>
+            <a:xfrm>
+              <a:off x="4155781" y="1118442"/>
+              <a:ext cx="3640077" cy="254643"/>
             </a:xfrm>
             <a:prstGeom prst="rightArrow">
               <a:avLst/>
             </a:prstGeom>
-            <a:solidFill>
-              <a:schemeClr val="tx1"/>
-            </a:solidFill>
+            <a:gradFill flip="none" rotWithShape="1">
+              <a:gsLst>
+                <a:gs pos="0">
+                  <a:schemeClr val="bg1"/>
+                </a:gs>
+                <a:gs pos="41000">
+                  <a:schemeClr val="bg2"/>
+                </a:gs>
+                <a:gs pos="83000">
+                  <a:schemeClr val="bg2">
+                    <a:lumMod val="75000"/>
+                  </a:schemeClr>
+                </a:gs>
+                <a:gs pos="100000">
+                  <a:schemeClr val="tx1"/>
+                </a:gs>
+              </a:gsLst>
+              <a:lin ang="0" scaled="1"/>
+              <a:tileRect/>
+            </a:gradFill>
             <a:ln>
               <a:solidFill>
                 <a:schemeClr val="tx1"/>
@@ -3973,10 +4336,10 @@
         </p:sp>
         <p:sp>
           <p:nvSpPr>
-            <p:cNvPr id="7" name="Rectangle 6">
+            <p:cNvPr id="18" name="Rectangle 17">
               <a:extLst>
                 <a:ext uri="{FF2B5EF4-FFF2-40B4-BE49-F238E27FC236}">
-                  <a16:creationId xmlns:a16="http://schemas.microsoft.com/office/drawing/2014/main" id="{29F489F0-E79E-7F46-9209-92E69F7E8227}"/>
+                  <a16:creationId xmlns:a16="http://schemas.microsoft.com/office/drawing/2014/main" id="{1C82D030-48A6-41E9-FBD0-4EDBF69073A7}"/>
                 </a:ext>
               </a:extLst>
             </p:cNvPr>
@@ -3985,7 +4348,7 @@
           </p:nvSpPr>
           <p:spPr>
             <a:xfrm>
-              <a:off x="5049206" y="179514"/>
+              <a:off x="5059217" y="757512"/>
               <a:ext cx="1758111" cy="369332"/>
             </a:xfrm>
             <a:prstGeom prst="rect">
@@ -4003,179 +4366,6 @@
                   <a:latin typeface="Helvetica" panose="020B0604020202020204" pitchFamily="34" charset="0"/>
                 </a:rPr>
                 <a:t>Time evolution</a:t>
-              </a:r>
-            </a:p>
-          </p:txBody>
-        </p:sp>
-        <p:sp>
-          <p:nvSpPr>
-            <p:cNvPr id="22" name="Rectangle 21">
-              <a:extLst>
-                <a:ext uri="{FF2B5EF4-FFF2-40B4-BE49-F238E27FC236}">
-                  <a16:creationId xmlns:a16="http://schemas.microsoft.com/office/drawing/2014/main" id="{9C0F2B39-C959-3061-E96F-AD8C89395661}"/>
-                </a:ext>
-              </a:extLst>
-            </p:cNvPr>
-            <p:cNvSpPr/>
-            <p:nvPr/>
-          </p:nvSpPr>
-          <p:spPr>
-            <a:xfrm>
-              <a:off x="2212911" y="1297441"/>
-              <a:ext cx="522570" cy="400110"/>
-            </a:xfrm>
-            <a:prstGeom prst="rect">
-              <a:avLst/>
-            </a:prstGeom>
-          </p:spPr>
-          <p:txBody>
-            <a:bodyPr wrap="square">
-              <a:spAutoFit/>
-            </a:bodyPr>
-            <a:lstStyle/>
-            <a:p>
-              <a:r>
-                <a:rPr lang="en-US" sz="2000" dirty="0">
-                  <a:latin typeface="Helvetica" panose="020B0604020202020204" pitchFamily="34" charset="0"/>
-                </a:rPr>
-                <a:t>(a)</a:t>
-              </a:r>
-            </a:p>
-          </p:txBody>
-        </p:sp>
-        <p:sp>
-          <p:nvSpPr>
-            <p:cNvPr id="23" name="Rectangle 22">
-              <a:extLst>
-                <a:ext uri="{FF2B5EF4-FFF2-40B4-BE49-F238E27FC236}">
-                  <a16:creationId xmlns:a16="http://schemas.microsoft.com/office/drawing/2014/main" id="{E118B823-B40B-8E91-D797-7E002D790747}"/>
-                </a:ext>
-              </a:extLst>
-            </p:cNvPr>
-            <p:cNvSpPr/>
-            <p:nvPr/>
-          </p:nvSpPr>
-          <p:spPr>
-            <a:xfrm>
-              <a:off x="2212911" y="2840134"/>
-              <a:ext cx="522570" cy="400110"/>
-            </a:xfrm>
-            <a:prstGeom prst="rect">
-              <a:avLst/>
-            </a:prstGeom>
-          </p:spPr>
-          <p:txBody>
-            <a:bodyPr wrap="square">
-              <a:spAutoFit/>
-            </a:bodyPr>
-            <a:lstStyle/>
-            <a:p>
-              <a:r>
-                <a:rPr lang="en-US" sz="2000" dirty="0">
-                  <a:latin typeface="Helvetica" panose="020B0604020202020204" pitchFamily="34" charset="0"/>
-                </a:rPr>
-                <a:t>(b)</a:t>
-              </a:r>
-            </a:p>
-          </p:txBody>
-        </p:sp>
-        <p:sp>
-          <p:nvSpPr>
-            <p:cNvPr id="24" name="Rectangle 23">
-              <a:extLst>
-                <a:ext uri="{FF2B5EF4-FFF2-40B4-BE49-F238E27FC236}">
-                  <a16:creationId xmlns:a16="http://schemas.microsoft.com/office/drawing/2014/main" id="{1C805565-33D5-7325-8818-3EF1962380E7}"/>
-                </a:ext>
-              </a:extLst>
-            </p:cNvPr>
-            <p:cNvSpPr/>
-            <p:nvPr/>
-          </p:nvSpPr>
-          <p:spPr>
-            <a:xfrm>
-              <a:off x="2212911" y="4303228"/>
-              <a:ext cx="522570" cy="400110"/>
-            </a:xfrm>
-            <a:prstGeom prst="rect">
-              <a:avLst/>
-            </a:prstGeom>
-          </p:spPr>
-          <p:txBody>
-            <a:bodyPr wrap="square">
-              <a:spAutoFit/>
-            </a:bodyPr>
-            <a:lstStyle/>
-            <a:p>
-              <a:r>
-                <a:rPr lang="en-US" sz="2000" dirty="0">
-                  <a:latin typeface="Helvetica" panose="020B0604020202020204" pitchFamily="34" charset="0"/>
-                </a:rPr>
-                <a:t>(c)</a:t>
-              </a:r>
-            </a:p>
-          </p:txBody>
-        </p:sp>
-        <p:pic>
-          <p:nvPicPr>
-            <p:cNvPr id="38" name="Picture 37">
-              <a:extLst>
-                <a:ext uri="{FF2B5EF4-FFF2-40B4-BE49-F238E27FC236}">
-                  <a16:creationId xmlns:a16="http://schemas.microsoft.com/office/drawing/2014/main" id="{66FBC602-7C6D-75FE-4D18-048C2FA6F8AB}"/>
-                </a:ext>
-              </a:extLst>
-            </p:cNvPr>
-            <p:cNvPicPr>
-              <a:picLocks noChangeAspect="1"/>
-            </p:cNvPicPr>
-            <p:nvPr/>
-          </p:nvPicPr>
-          <p:blipFill rotWithShape="1">
-            <a:blip r:embed="rId3"/>
-            <a:srcRect l="11506" t="11703" r="9115" b="10508"/>
-            <a:stretch/>
-          </p:blipFill>
-          <p:spPr>
-            <a:xfrm>
-              <a:off x="2870918" y="825108"/>
-              <a:ext cx="6039528" cy="5918592"/>
-            </a:xfrm>
-            <a:prstGeom prst="rect">
-              <a:avLst/>
-            </a:prstGeom>
-          </p:spPr>
-        </p:pic>
-        <p:sp>
-          <p:nvSpPr>
-            <p:cNvPr id="40" name="Rectangle 39">
-              <a:extLst>
-                <a:ext uri="{FF2B5EF4-FFF2-40B4-BE49-F238E27FC236}">
-                  <a16:creationId xmlns:a16="http://schemas.microsoft.com/office/drawing/2014/main" id="{C2E90E13-064C-1D71-E36D-46F5B6CE2856}"/>
-                </a:ext>
-              </a:extLst>
-            </p:cNvPr>
-            <p:cNvSpPr/>
-            <p:nvPr/>
-          </p:nvSpPr>
-          <p:spPr>
-            <a:xfrm>
-              <a:off x="2212911" y="5832299"/>
-              <a:ext cx="522570" cy="400110"/>
-            </a:xfrm>
-            <a:prstGeom prst="rect">
-              <a:avLst/>
-            </a:prstGeom>
-          </p:spPr>
-          <p:txBody>
-            <a:bodyPr wrap="square">
-              <a:spAutoFit/>
-            </a:bodyPr>
-            <a:lstStyle/>
-            <a:p>
-              <a:r>
-                <a:rPr lang="en-US" sz="2000" dirty="0">
-                  <a:latin typeface="Helvetica" panose="020B0604020202020204" pitchFamily="34" charset="0"/>
-                </a:rPr>
-                <a:t>(d)</a:t>
               </a:r>
             </a:p>
           </p:txBody>

--- a/Figure2.pptx
+++ b/Figure2.pptx
@@ -197,7 +197,7 @@
           <a:p>
             <a:fld id="{E124202E-EA0B-F845-8D8A-917E2C320490}" type="datetimeFigureOut">
               <a:rPr lang="en-US" smtClean="0"/>
-              <a:t>4/26/23</a:t>
+              <a:t>5/10/23</a:t>
             </a:fld>
             <a:endParaRPr lang="en-US"/>
           </a:p>
@@ -873,7 +873,7 @@
           <a:p>
             <a:fld id="{A347E85E-16B2-7D4F-B055-996D5F280DF9}" type="datetime1">
               <a:rPr lang="en-US" smtClean="0"/>
-              <a:t>4/26/23</a:t>
+              <a:t>5/10/23</a:t>
             </a:fld>
             <a:endParaRPr lang="en-US" dirty="0"/>
           </a:p>
@@ -1134,7 +1134,7 @@
           <a:p>
             <a:fld id="{C1528136-8F1E-8B4C-9500-FCAE614CED34}" type="datetime1">
               <a:rPr lang="en-US" smtClean="0"/>
-              <a:t>4/26/23</a:t>
+              <a:t>5/10/23</a:t>
             </a:fld>
             <a:endParaRPr lang="en-US" dirty="0"/>
           </a:p>
@@ -1221,7 +1221,7 @@
           <a:p>
             <a:fld id="{A95E397C-8781-494B-BBCB-6F8C147E365D}" type="datetime1">
               <a:rPr lang="en-US" smtClean="0"/>
-              <a:t>4/26/23</a:t>
+              <a:t>5/10/23</a:t>
             </a:fld>
             <a:endParaRPr lang="en-US" dirty="0"/>
           </a:p>
@@ -1474,7 +1474,7 @@
           <a:p>
             <a:fld id="{8F1A1C1D-7A24-6C4A-9A72-D802B5CAE039}" type="datetime1">
               <a:rPr lang="en-US" smtClean="0"/>
-              <a:t>4/26/23</a:t>
+              <a:t>5/10/23</a:t>
             </a:fld>
             <a:endParaRPr lang="en-US" dirty="0"/>
           </a:p>
@@ -1592,7 +1592,7 @@
           <a:p>
             <a:fld id="{0F68F3E4-2315-AC4C-ABF4-95DA426C2F52}" type="datetime1">
               <a:rPr lang="en-US" smtClean="0"/>
-              <a:t>4/26/23</a:t>
+              <a:t>5/10/23</a:t>
             </a:fld>
             <a:endParaRPr lang="en-US" dirty="0"/>
           </a:p>
@@ -1988,7 +1988,7 @@
           <a:p>
             <a:fld id="{B85B13E3-B52D-0045-AD7F-8C4D2F63C3D7}" type="datetime1">
               <a:rPr lang="en-US" smtClean="0"/>
-              <a:t>4/26/23</a:t>
+              <a:t>5/10/23</a:t>
             </a:fld>
             <a:endParaRPr lang="en-US" dirty="0"/>
           </a:p>
@@ -2479,7 +2479,7 @@
           <a:p>
             <a:fld id="{545AC853-3288-7742-A395-A525CD58B3D7}" type="datetime1">
               <a:rPr lang="en-US" smtClean="0"/>
-              <a:t>4/26/23</a:t>
+              <a:t>5/10/23</a:t>
             </a:fld>
             <a:endParaRPr lang="en-US" dirty="0"/>
           </a:p>
@@ -2765,7 +2765,7 @@
           <a:p>
             <a:fld id="{FBF22573-B266-7F4F-9E81-59304A2AAA60}" type="datetime1">
               <a:rPr lang="en-US" smtClean="0"/>
-              <a:t>4/26/23</a:t>
+              <a:t>5/10/23</a:t>
             </a:fld>
             <a:endParaRPr lang="en-US" dirty="0"/>
           </a:p>
@@ -3299,7 +3299,7 @@
           <a:p>
             <a:fld id="{65CC06C0-5844-864C-8B51-DA1B5C964932}" type="datetime1">
               <a:rPr lang="en-US" smtClean="0"/>
-              <a:t>4/26/23</a:t>
+              <a:t>5/10/23</a:t>
             </a:fld>
             <a:endParaRPr lang="en-US" dirty="0"/>
           </a:p>
@@ -3895,10 +3895,10 @@
       </p:sp>
       <p:grpSp>
         <p:nvGrpSpPr>
-          <p:cNvPr id="19" name="Group 18">
+          <p:cNvPr id="24" name="Group 23">
             <a:extLst>
               <a:ext uri="{FF2B5EF4-FFF2-40B4-BE49-F238E27FC236}">
-                <a16:creationId xmlns:a16="http://schemas.microsoft.com/office/drawing/2014/main" id="{BA919F6F-58A5-0B1F-8B6F-240B2C59AA23}"/>
+                <a16:creationId xmlns:a16="http://schemas.microsoft.com/office/drawing/2014/main" id="{4C0A48AE-FC74-8FA4-DB9D-92C8FE57FCBC}"/>
               </a:ext>
             </a:extLst>
           </p:cNvPr>
@@ -3915,10 +3915,10 @@
         </p:grpSpPr>
         <p:pic>
           <p:nvPicPr>
-            <p:cNvPr id="5" name="Picture 4">
+            <p:cNvPr id="21" name="Picture 20">
               <a:extLst>
                 <a:ext uri="{FF2B5EF4-FFF2-40B4-BE49-F238E27FC236}">
-                  <a16:creationId xmlns:a16="http://schemas.microsoft.com/office/drawing/2014/main" id="{4439DEC8-4537-B0E8-F91A-5CC13A575287}"/>
+                  <a16:creationId xmlns:a16="http://schemas.microsoft.com/office/drawing/2014/main" id="{76039B14-23A5-DCC5-70FD-4E8D553A9211}"/>
                 </a:ext>
               </a:extLst>
             </p:cNvPr>
@@ -3935,68 +3935,8 @@
           </p:blipFill>
           <p:spPr>
             <a:xfrm>
-              <a:off x="3697235" y="1380855"/>
-              <a:ext cx="5270539" cy="4786850"/>
-            </a:xfrm>
-            <a:prstGeom prst="rect">
-              <a:avLst/>
-            </a:prstGeom>
-          </p:spPr>
-        </p:pic>
-        <p:pic>
-          <p:nvPicPr>
-            <p:cNvPr id="8" name="Picture 7">
-              <a:extLst>
-                <a:ext uri="{FF2B5EF4-FFF2-40B4-BE49-F238E27FC236}">
-                  <a16:creationId xmlns:a16="http://schemas.microsoft.com/office/drawing/2014/main" id="{6BCAD3EA-EECB-F331-2410-A873F7102510}"/>
-                </a:ext>
-              </a:extLst>
-            </p:cNvPr>
-            <p:cNvPicPr>
-              <a:picLocks noChangeAspect="1"/>
-            </p:cNvPicPr>
-            <p:nvPr/>
-          </p:nvPicPr>
-          <p:blipFill>
-            <a:blip r:embed="rId4"/>
-            <a:stretch>
-              <a:fillRect/>
-            </a:stretch>
-          </p:blipFill>
-          <p:spPr>
-            <a:xfrm>
-              <a:off x="209180" y="1059137"/>
-              <a:ext cx="3600431" cy="2558496"/>
-            </a:xfrm>
-            <a:prstGeom prst="rect">
-              <a:avLst/>
-            </a:prstGeom>
-          </p:spPr>
-        </p:pic>
-        <p:pic>
-          <p:nvPicPr>
-            <p:cNvPr id="10" name="Picture 9">
-              <a:extLst>
-                <a:ext uri="{FF2B5EF4-FFF2-40B4-BE49-F238E27FC236}">
-                  <a16:creationId xmlns:a16="http://schemas.microsoft.com/office/drawing/2014/main" id="{C273E37B-5B85-9B93-F414-CC9FBBEB513A}"/>
-                </a:ext>
-              </a:extLst>
-            </p:cNvPr>
-            <p:cNvPicPr>
-              <a:picLocks noChangeAspect="1"/>
-            </p:cNvPicPr>
-            <p:nvPr/>
-          </p:nvPicPr>
-          <p:blipFill>
-            <a:blip r:embed="rId5"/>
-            <a:stretch>
-              <a:fillRect/>
-            </a:stretch>
-          </p:blipFill>
-          <p:spPr>
-            <a:xfrm>
-              <a:off x="8550508" y="3622210"/>
-              <a:ext cx="3419689" cy="2416314"/>
+              <a:off x="3851651" y="1385553"/>
+              <a:ext cx="5109335" cy="4760971"/>
             </a:xfrm>
             <a:prstGeom prst="rect">
               <a:avLst/>
@@ -4017,7 +3957,7 @@
           </p:nvSpPr>
           <p:spPr>
             <a:xfrm>
-              <a:off x="5592060" y="1540649"/>
+              <a:off x="5059217" y="2556029"/>
               <a:ext cx="1053760" cy="369332"/>
             </a:xfrm>
             <a:prstGeom prst="rect">
@@ -4053,8 +3993,8 @@
           </p:nvSpPr>
           <p:spPr>
             <a:xfrm>
-              <a:off x="5838798" y="2338385"/>
-              <a:ext cx="1957060" cy="646331"/>
+              <a:off x="4923331" y="4465169"/>
+              <a:ext cx="1845009" cy="369332"/>
             </a:xfrm>
             <a:prstGeom prst="rect">
               <a:avLst/>
@@ -4074,7 +4014,7 @@
                   </a:solidFill>
                   <a:latin typeface="Helvetica" panose="020B0604020202020204" pitchFamily="34" charset="0"/>
                 </a:rPr>
-                <a:t>abrupt direction change</a:t>
+                <a:t>abrupt change</a:t>
               </a:r>
             </a:p>
           </p:txBody>
@@ -4150,7 +4090,7 @@
                   </a:solidFill>
                   <a:latin typeface="Helvetica" panose="020B0604020202020204" pitchFamily="34" charset="0"/>
                 </a:rPr>
-                <a:t>abrupt direction change</a:t>
+                <a:t>abrupt change</a:t>
               </a:r>
             </a:p>
           </p:txBody>
@@ -4273,7 +4213,7 @@
           </p:nvSpPr>
           <p:spPr>
             <a:xfrm>
-              <a:off x="4155781" y="1118442"/>
+              <a:off x="4606355" y="1118442"/>
               <a:ext cx="3640077" cy="254643"/>
             </a:xfrm>
             <a:prstGeom prst="rightArrow">
@@ -4348,7 +4288,7 @@
           </p:nvSpPr>
           <p:spPr>
             <a:xfrm>
-              <a:off x="5059217" y="757512"/>
+              <a:off x="5509791" y="757512"/>
               <a:ext cx="1758111" cy="369332"/>
             </a:xfrm>
             <a:prstGeom prst="rect">
@@ -4370,6 +4310,66 @@
             </a:p>
           </p:txBody>
         </p:sp>
+        <p:pic>
+          <p:nvPicPr>
+            <p:cNvPr id="22" name="Picture 21">
+              <a:extLst>
+                <a:ext uri="{FF2B5EF4-FFF2-40B4-BE49-F238E27FC236}">
+                  <a16:creationId xmlns:a16="http://schemas.microsoft.com/office/drawing/2014/main" id="{3FD07D3C-EA1A-9030-84AB-78A7CDEA2637}"/>
+                </a:ext>
+              </a:extLst>
+            </p:cNvPr>
+            <p:cNvPicPr>
+              <a:picLocks noChangeAspect="1"/>
+            </p:cNvPicPr>
+            <p:nvPr/>
+          </p:nvPicPr>
+          <p:blipFill>
+            <a:blip r:embed="rId4"/>
+            <a:stretch>
+              <a:fillRect/>
+            </a:stretch>
+          </p:blipFill>
+          <p:spPr>
+            <a:xfrm>
+              <a:off x="8550508" y="3631298"/>
+              <a:ext cx="3419690" cy="2416314"/>
+            </a:xfrm>
+            <a:prstGeom prst="rect">
+              <a:avLst/>
+            </a:prstGeom>
+          </p:spPr>
+        </p:pic>
+        <p:pic>
+          <p:nvPicPr>
+            <p:cNvPr id="23" name="Picture 22">
+              <a:extLst>
+                <a:ext uri="{FF2B5EF4-FFF2-40B4-BE49-F238E27FC236}">
+                  <a16:creationId xmlns:a16="http://schemas.microsoft.com/office/drawing/2014/main" id="{664ECD95-32BB-F13D-C1F9-F1D122B945EB}"/>
+                </a:ext>
+              </a:extLst>
+            </p:cNvPr>
+            <p:cNvPicPr>
+              <a:picLocks noChangeAspect="1"/>
+            </p:cNvPicPr>
+            <p:nvPr/>
+          </p:nvPicPr>
+          <p:blipFill>
+            <a:blip r:embed="rId5"/>
+            <a:stretch>
+              <a:fillRect/>
+            </a:stretch>
+          </p:blipFill>
+          <p:spPr>
+            <a:xfrm>
+              <a:off x="166082" y="1038443"/>
+              <a:ext cx="3663849" cy="2644277"/>
+            </a:xfrm>
+            <a:prstGeom prst="rect">
+              <a:avLst/>
+            </a:prstGeom>
+          </p:spPr>
+        </p:pic>
       </p:grpSp>
     </p:spTree>
     <p:extLst>
